--- a/intro_to_functions.pptx
+++ b/intro_to_functions.pptx
@@ -117,6 +117,11 @@
       </a:defRPr>
     </a:lvl9pPr>
   </p:defaultTextStyle>
+  <p:extLst>
+    <p:ext uri="{EFAFB233-063F-42B5-8137-9DF3F51BA10A}">
+      <p15:sldGuideLst xmlns:p15="http://schemas.microsoft.com/office/powerpoint/2012/main"/>
+    </p:ext>
+  </p:extLst>
 </p:presentation>
 </file>
 
@@ -202,7 +207,7 @@
           <a:p>
             <a:fld id="{233D8B74-73C3-4F73-B7C6-7EB82FAAA816}" type="datetimeFigureOut">
               <a:rPr lang="en-US" smtClean="0"/>
-              <a:t>9/12/2021</a:t>
+              <a:t>9/14/2021</a:t>
             </a:fld>
             <a:endParaRPr lang="en-US"/>
           </a:p>
@@ -690,7 +695,7 @@
           <a:p>
             <a:fld id="{CDDA563C-352A-46EA-9C03-56E0B2565F91}" type="datetimeFigureOut">
               <a:rPr lang="en-US" smtClean="0"/>
-              <a:t>9/12/2021</a:t>
+              <a:t>9/14/2021</a:t>
             </a:fld>
             <a:endParaRPr lang="en-US"/>
           </a:p>
@@ -860,7 +865,7 @@
           <a:p>
             <a:fld id="{CDDA563C-352A-46EA-9C03-56E0B2565F91}" type="datetimeFigureOut">
               <a:rPr lang="en-US" smtClean="0"/>
-              <a:t>9/12/2021</a:t>
+              <a:t>9/14/2021</a:t>
             </a:fld>
             <a:endParaRPr lang="en-US"/>
           </a:p>
@@ -1040,7 +1045,7 @@
           <a:p>
             <a:fld id="{CDDA563C-352A-46EA-9C03-56E0B2565F91}" type="datetimeFigureOut">
               <a:rPr lang="en-US" smtClean="0"/>
-              <a:t>9/12/2021</a:t>
+              <a:t>9/14/2021</a:t>
             </a:fld>
             <a:endParaRPr lang="en-US"/>
           </a:p>
@@ -1210,7 +1215,7 @@
           <a:p>
             <a:fld id="{CDDA563C-352A-46EA-9C03-56E0B2565F91}" type="datetimeFigureOut">
               <a:rPr lang="en-US" smtClean="0"/>
-              <a:t>9/12/2021</a:t>
+              <a:t>9/14/2021</a:t>
             </a:fld>
             <a:endParaRPr lang="en-US"/>
           </a:p>
@@ -1456,7 +1461,7 @@
           <a:p>
             <a:fld id="{CDDA563C-352A-46EA-9C03-56E0B2565F91}" type="datetimeFigureOut">
               <a:rPr lang="en-US" smtClean="0"/>
-              <a:t>9/12/2021</a:t>
+              <a:t>9/14/2021</a:t>
             </a:fld>
             <a:endParaRPr lang="en-US"/>
           </a:p>
@@ -1688,7 +1693,7 @@
           <a:p>
             <a:fld id="{CDDA563C-352A-46EA-9C03-56E0B2565F91}" type="datetimeFigureOut">
               <a:rPr lang="en-US" smtClean="0"/>
-              <a:t>9/12/2021</a:t>
+              <a:t>9/14/2021</a:t>
             </a:fld>
             <a:endParaRPr lang="en-US"/>
           </a:p>
@@ -2055,7 +2060,7 @@
           <a:p>
             <a:fld id="{CDDA563C-352A-46EA-9C03-56E0B2565F91}" type="datetimeFigureOut">
               <a:rPr lang="en-US" smtClean="0"/>
-              <a:t>9/12/2021</a:t>
+              <a:t>9/14/2021</a:t>
             </a:fld>
             <a:endParaRPr lang="en-US"/>
           </a:p>
@@ -2173,7 +2178,7 @@
           <a:p>
             <a:fld id="{CDDA563C-352A-46EA-9C03-56E0B2565F91}" type="datetimeFigureOut">
               <a:rPr lang="en-US" smtClean="0"/>
-              <a:t>9/12/2021</a:t>
+              <a:t>9/14/2021</a:t>
             </a:fld>
             <a:endParaRPr lang="en-US"/>
           </a:p>
@@ -2268,7 +2273,7 @@
           <a:p>
             <a:fld id="{CDDA563C-352A-46EA-9C03-56E0B2565F91}" type="datetimeFigureOut">
               <a:rPr lang="en-US" smtClean="0"/>
-              <a:t>9/12/2021</a:t>
+              <a:t>9/14/2021</a:t>
             </a:fld>
             <a:endParaRPr lang="en-US"/>
           </a:p>
@@ -2545,7 +2550,7 @@
           <a:p>
             <a:fld id="{CDDA563C-352A-46EA-9C03-56E0B2565F91}" type="datetimeFigureOut">
               <a:rPr lang="en-US" smtClean="0"/>
-              <a:t>9/12/2021</a:t>
+              <a:t>9/14/2021</a:t>
             </a:fld>
             <a:endParaRPr lang="en-US"/>
           </a:p>
@@ -2802,7 +2807,7 @@
           <a:p>
             <a:fld id="{CDDA563C-352A-46EA-9C03-56E0B2565F91}" type="datetimeFigureOut">
               <a:rPr lang="en-US" smtClean="0"/>
-              <a:t>9/12/2021</a:t>
+              <a:t>9/14/2021</a:t>
             </a:fld>
             <a:endParaRPr lang="en-US"/>
           </a:p>
@@ -3015,7 +3020,7 @@
           <a:p>
             <a:fld id="{CDDA563C-352A-46EA-9C03-56E0B2565F91}" type="datetimeFigureOut">
               <a:rPr lang="en-US" smtClean="0"/>
-              <a:t>9/12/2021</a:t>
+              <a:t>9/14/2021</a:t>
             </a:fld>
             <a:endParaRPr lang="en-US"/>
           </a:p>
@@ -3679,13 +3684,8 @@
           <a:p>
             <a:r>
               <a:rPr lang="en-US" dirty="0"/>
-              <a:t>Use in specialized circumstances, probably not needed in </a:t>
-            </a:r>
-            <a:r>
-              <a:rPr lang="en-US"/>
-              <a:t>this class</a:t>
-            </a:r>
-            <a:endParaRPr lang="en-US" dirty="0"/>
+              <a:t>Use in specialized circumstances, probably not needed in this class</a:t>
+            </a:r>
           </a:p>
         </p:txBody>
       </p:sp>
